--- a/TWEET IT.pptx
+++ b/TWEET IT.pptx
@@ -8238,6 +8238,10 @@
         <a:bodyPr/>
         <a:lstStyle/>
         <a:p>
+          <a:r>
+            <a:rPr lang="en-IN" sz="1600" dirty="0" err="1"/>
+            <a:t>AddCommentNotification</a:t>
+          </a:r>
           <a:endParaRPr lang="en-IN" sz="1600" dirty="0"/>
         </a:p>
       </dgm:t>
@@ -8254,42 +8258,6 @@
       </dgm:t>
     </dgm:pt>
     <dgm:pt modelId="{EE1DC034-F3A8-4D07-9D5D-29BAB1F01BED}" type="sibTrans" cxnId="{B38B4A68-8954-495A-A7D6-B64D39F6F6DC}">
-      <dgm:prSet/>
-      <dgm:spPr/>
-      <dgm:t>
-        <a:bodyPr/>
-        <a:lstStyle/>
-        <a:p>
-          <a:endParaRPr lang="en-IN"/>
-        </a:p>
-      </dgm:t>
-    </dgm:pt>
-    <dgm:pt modelId="{D66C9EC1-C020-4F4A-804E-C83D9F149A23}">
-      <dgm:prSet phldrT="[Text]" custT="1"/>
-      <dgm:spPr/>
-      <dgm:t>
-        <a:bodyPr/>
-        <a:lstStyle/>
-        <a:p>
-          <a:r>
-            <a:rPr lang="en-IN" sz="1600" dirty="0"/>
-            <a:t>AddCommentNotification</a:t>
-          </a:r>
-        </a:p>
-      </dgm:t>
-    </dgm:pt>
-    <dgm:pt modelId="{9B10F99D-231B-48E3-8A86-D8B9A8C515A5}" type="parTrans" cxnId="{3237DF6A-3D86-435E-B8ED-F77755D60420}">
-      <dgm:prSet/>
-      <dgm:spPr/>
-      <dgm:t>
-        <a:bodyPr/>
-        <a:lstStyle/>
-        <a:p>
-          <a:endParaRPr lang="en-IN"/>
-        </a:p>
-      </dgm:t>
-    </dgm:pt>
-    <dgm:pt modelId="{30B7E14D-7D69-46D0-BFFE-0DE99955FACD}" type="sibTrans" cxnId="{3237DF6A-3D86-435E-B8ED-F77755D60420}">
       <dgm:prSet/>
       <dgm:spPr/>
       <dgm:t>
@@ -8405,17 +8373,15 @@
     </dgm:pt>
   </dgm:ptLst>
   <dgm:cxnLst>
-    <dgm:cxn modelId="{1D339C03-2B05-40BC-AE26-04BFAF8DD910}" type="presOf" srcId="{B9454C06-CFEB-4F53-A56F-B2A7E45CCFAC}" destId="{C3A395A2-29FF-41B8-89FD-C12573229DA9}" srcOrd="0" destOrd="2" presId="urn:microsoft.com/office/officeart/2005/8/layout/chevron2"/>
-    <dgm:cxn modelId="{549F1B20-0B36-4797-966F-300FA7C928DE}" srcId="{2604C39B-400E-4D24-9E93-CB9B294A717E}" destId="{AFD0B48D-3192-4052-898B-9A8476C26C08}" srcOrd="3" destOrd="0" parTransId="{A5C96B68-FD8D-4E54-9388-47AAAA1612CA}" sibTransId="{FF839C63-F3C2-4356-B8C8-3CA3D166FFE7}"/>
+    <dgm:cxn modelId="{1D339C03-2B05-40BC-AE26-04BFAF8DD910}" type="presOf" srcId="{B9454C06-CFEB-4F53-A56F-B2A7E45CCFAC}" destId="{C3A395A2-29FF-41B8-89FD-C12573229DA9}" srcOrd="0" destOrd="1" presId="urn:microsoft.com/office/officeart/2005/8/layout/chevron2"/>
+    <dgm:cxn modelId="{549F1B20-0B36-4797-966F-300FA7C928DE}" srcId="{2604C39B-400E-4D24-9E93-CB9B294A717E}" destId="{AFD0B48D-3192-4052-898B-9A8476C26C08}" srcOrd="2" destOrd="0" parTransId="{A5C96B68-FD8D-4E54-9388-47AAAA1612CA}" sibTransId="{FF839C63-F3C2-4356-B8C8-3CA3D166FFE7}"/>
     <dgm:cxn modelId="{4C456123-B056-46A3-B73D-0C5B114B8BED}" type="presOf" srcId="{3AEF0171-8470-46F1-939F-EF812C3B7B88}" destId="{071F2B66-E7DD-40C8-874E-D91DBF18934C}" srcOrd="0" destOrd="0" presId="urn:microsoft.com/office/officeart/2005/8/layout/chevron2"/>
-    <dgm:cxn modelId="{7F12C763-F984-435D-8677-80A1D103AA4D}" type="presOf" srcId="{D66C9EC1-C020-4F4A-804E-C83D9F149A23}" destId="{C3A395A2-29FF-41B8-89FD-C12573229DA9}" srcOrd="0" destOrd="1" presId="urn:microsoft.com/office/officeart/2005/8/layout/chevron2"/>
     <dgm:cxn modelId="{B38B4A68-8954-495A-A7D6-B64D39F6F6DC}" srcId="{2604C39B-400E-4D24-9E93-CB9B294A717E}" destId="{DD0DBE12-72CF-4F74-B7D6-2071C15EC497}" srcOrd="0" destOrd="0" parTransId="{6EAE59BD-D722-4B53-9391-619E9F101462}" sibTransId="{EE1DC034-F3A8-4D07-9D5D-29BAB1F01BED}"/>
-    <dgm:cxn modelId="{3237DF6A-3D86-435E-B8ED-F77755D60420}" srcId="{2604C39B-400E-4D24-9E93-CB9B294A717E}" destId="{D66C9EC1-C020-4F4A-804E-C83D9F149A23}" srcOrd="1" destOrd="0" parTransId="{9B10F99D-231B-48E3-8A86-D8B9A8C515A5}" sibTransId="{30B7E14D-7D69-46D0-BFFE-0DE99955FACD}"/>
-    <dgm:cxn modelId="{06CD4898-D480-41E8-8FB8-94DAD0583D0A}" srcId="{2604C39B-400E-4D24-9E93-CB9B294A717E}" destId="{B9454C06-CFEB-4F53-A56F-B2A7E45CCFAC}" srcOrd="2" destOrd="0" parTransId="{D332613D-23B6-475D-B741-C78426E1E8C1}" sibTransId="{E59A02A1-6312-4B94-AAFF-CF30F15C184D}"/>
+    <dgm:cxn modelId="{06CD4898-D480-41E8-8FB8-94DAD0583D0A}" srcId="{2604C39B-400E-4D24-9E93-CB9B294A717E}" destId="{B9454C06-CFEB-4F53-A56F-B2A7E45CCFAC}" srcOrd="1" destOrd="0" parTransId="{D332613D-23B6-475D-B741-C78426E1E8C1}" sibTransId="{E59A02A1-6312-4B94-AAFF-CF30F15C184D}"/>
     <dgm:cxn modelId="{4E3782CB-1BF8-4003-A3F6-F9EE2476271C}" type="presOf" srcId="{DD0DBE12-72CF-4F74-B7D6-2071C15EC497}" destId="{C3A395A2-29FF-41B8-89FD-C12573229DA9}" srcOrd="0" destOrd="0" presId="urn:microsoft.com/office/officeart/2005/8/layout/chevron2"/>
     <dgm:cxn modelId="{59BDDAEB-94B5-46B2-A630-6974F1FC285B}" srcId="{3AEF0171-8470-46F1-939F-EF812C3B7B88}" destId="{2604C39B-400E-4D24-9E93-CB9B294A717E}" srcOrd="0" destOrd="0" parTransId="{11E1B788-3CF4-4DF9-82CD-A123681FB835}" sibTransId="{C311E707-7186-4DF0-A054-ED88B3B48AF8}"/>
     <dgm:cxn modelId="{807B7EF0-55DF-4DCD-84E2-B695A5E2CFE2}" type="presOf" srcId="{2604C39B-400E-4D24-9E93-CB9B294A717E}" destId="{76E01526-DC71-4A07-A81D-9DC851C114E8}" srcOrd="0" destOrd="0" presId="urn:microsoft.com/office/officeart/2005/8/layout/chevron2"/>
-    <dgm:cxn modelId="{85A192F7-A33F-4E42-8C18-75E3A7FAEC74}" type="presOf" srcId="{AFD0B48D-3192-4052-898B-9A8476C26C08}" destId="{C3A395A2-29FF-41B8-89FD-C12573229DA9}" srcOrd="0" destOrd="3" presId="urn:microsoft.com/office/officeart/2005/8/layout/chevron2"/>
+    <dgm:cxn modelId="{85A192F7-A33F-4E42-8C18-75E3A7FAEC74}" type="presOf" srcId="{AFD0B48D-3192-4052-898B-9A8476C26C08}" destId="{C3A395A2-29FF-41B8-89FD-C12573229DA9}" srcOrd="0" destOrd="2" presId="urn:microsoft.com/office/officeart/2005/8/layout/chevron2"/>
     <dgm:cxn modelId="{A36D5513-D68D-4768-9956-500D4E6E4E0F}" type="presParOf" srcId="{071F2B66-E7DD-40C8-874E-D91DBF18934C}" destId="{D66A9A7B-523E-442E-A2E3-F6001FF8BB4F}" srcOrd="0" destOrd="0" presId="urn:microsoft.com/office/officeart/2005/8/layout/chevron2"/>
     <dgm:cxn modelId="{DC18A928-50C2-40E5-B346-9D834C73F1E2}" type="presParOf" srcId="{D66A9A7B-523E-442E-A2E3-F6001FF8BB4F}" destId="{76E01526-DC71-4A07-A81D-9DC851C114E8}" srcOrd="0" destOrd="0" presId="urn:microsoft.com/office/officeart/2005/8/layout/chevron2"/>
     <dgm:cxn modelId="{2C249107-0446-4A8D-AE7E-63C49BBB847E}" type="presParOf" srcId="{D66A9A7B-523E-442E-A2E3-F6001FF8BB4F}" destId="{C3A395A2-29FF-41B8-89FD-C12573229DA9}" srcOrd="1" destOrd="0" presId="urn:microsoft.com/office/officeart/2005/8/layout/chevron2"/>
@@ -11914,8 +11880,8 @@
       </dsp:nvSpPr>
       <dsp:spPr>
         <a:xfrm rot="5400000">
-          <a:off x="-226942" y="537410"/>
-          <a:ext cx="1512946" cy="1059062"/>
+          <a:off x="-227163" y="536904"/>
+          <a:ext cx="1514425" cy="1060098"/>
         </a:xfrm>
         <a:prstGeom prst="chevron">
           <a:avLst/>
@@ -11981,8 +11947,8 @@
         </a:p>
       </dsp:txBody>
       <dsp:txXfrm rot="-5400000">
-        <a:off x="0" y="839999"/>
-        <a:ext cx="1059062" cy="453884"/>
+        <a:off x="1" y="839789"/>
+        <a:ext cx="1060098" cy="454327"/>
       </dsp:txXfrm>
     </dsp:sp>
     <dsp:sp modelId="{C3A395A2-29FF-41B8-89FD-C12573229DA9}">
@@ -11992,8 +11958,8 @@
       </dsp:nvSpPr>
       <dsp:spPr>
         <a:xfrm rot="5400000">
-          <a:off x="1827398" y="-654574"/>
-          <a:ext cx="1722265" cy="3258937"/>
+          <a:off x="1827074" y="-654135"/>
+          <a:ext cx="1723948" cy="3257901"/>
         </a:xfrm>
         <a:prstGeom prst="round2SameRect">
           <a:avLst/>
@@ -12051,25 +12017,11 @@
             </a:spcAft>
             <a:buChar char="•"/>
           </a:pPr>
-          <a:endParaRPr lang="en-IN" sz="1600" kern="1200" dirty="0"/>
-        </a:p>
-        <a:p>
-          <a:pPr marL="171450" lvl="1" indent="-171450" algn="l" defTabSz="711200">
-            <a:lnSpc>
-              <a:spcPct val="90000"/>
-            </a:lnSpc>
-            <a:spcBef>
-              <a:spcPct val="0"/>
-            </a:spcBef>
-            <a:spcAft>
-              <a:spcPct val="15000"/>
-            </a:spcAft>
-            <a:buChar char="•"/>
-          </a:pPr>
           <a:r>
-            <a:rPr lang="en-IN" sz="1600" kern="1200" dirty="0"/>
+            <a:rPr lang="en-IN" sz="1600" kern="1200" dirty="0" err="1"/>
             <a:t>AddCommentNotification</a:t>
           </a:r>
+          <a:endParaRPr lang="en-IN" sz="1600" kern="1200" dirty="0"/>
         </a:p>
         <a:p>
           <a:pPr marL="171450" lvl="1" indent="-171450" algn="l" defTabSz="711200">
@@ -12109,8 +12061,8 @@
         </a:p>
       </dsp:txBody>
       <dsp:txXfrm rot="-5400000">
-        <a:off x="1059062" y="197836"/>
-        <a:ext cx="3174863" cy="1554117"/>
+        <a:off x="1060098" y="196997"/>
+        <a:ext cx="3173745" cy="1555636"/>
       </dsp:txXfrm>
     </dsp:sp>
   </dsp:spTree>
@@ -27271,7 +27223,7 @@
           <a:p>
             <a:fld id="{62A5AE42-7DC1-8140-9B13-146984FDEF22}" type="datetimeFigureOut">
               <a:rPr lang="en-US" smtClean="0"/>
-              <a:t>12/12/2023</a:t>
+              <a:t>12/13/2023</a:t>
             </a:fld>
             <a:endParaRPr lang="en-US" dirty="0"/>
           </a:p>
@@ -27448,7 +27400,7 @@
           <a:p>
             <a:fld id="{E8F75F72-8950-AF4F-9381-1D26FB547EA1}" type="datetimeFigureOut">
               <a:rPr lang="en-US" smtClean="0"/>
-              <a:t>12/12/2023</a:t>
+              <a:t>12/13/2023</a:t>
             </a:fld>
             <a:endParaRPr lang="en-US" dirty="0"/>
           </a:p>
@@ -37614,7 +37566,12 @@
             <p:ph type="title"/>
           </p:nvPr>
         </p:nvSpPr>
-        <p:spPr/>
+        <p:spPr>
+          <a:xfrm>
+            <a:off x="6189472" y="118385"/>
+            <a:ext cx="4974336" cy="1325880"/>
+          </a:xfrm>
+        </p:spPr>
         <p:txBody>
           <a:bodyPr/>
           <a:lstStyle/>
@@ -37708,7 +37665,7 @@
         </p:nvSpPr>
         <p:spPr>
           <a:xfrm>
-            <a:off x="6096000" y="2322576"/>
+            <a:off x="5269994" y="1444752"/>
             <a:ext cx="5065776" cy="448056"/>
           </a:xfrm>
         </p:spPr>
@@ -37743,8 +37700,8 @@
         </p:nvSpPr>
         <p:spPr>
           <a:xfrm>
-            <a:off x="6289612" y="2861836"/>
-            <a:ext cx="5065776" cy="754888"/>
+            <a:off x="5639372" y="1928333"/>
+            <a:ext cx="5065776" cy="677526"/>
           </a:xfrm>
         </p:spPr>
         <p:txBody>
@@ -37834,7 +37791,7 @@
         </p:nvSpPr>
         <p:spPr>
           <a:xfrm>
-            <a:off x="6096000" y="3328180"/>
+            <a:off x="5269994" y="2514872"/>
             <a:ext cx="5065776" cy="448056"/>
           </a:xfrm>
           <a:prstGeom prst="rect">
@@ -38048,8 +38005,8 @@
         </p:nvSpPr>
         <p:spPr>
           <a:xfrm>
-            <a:off x="6289612" y="3909277"/>
-            <a:ext cx="5065776" cy="754888"/>
+            <a:off x="5639372" y="3089927"/>
+            <a:ext cx="6311836" cy="754888"/>
           </a:xfrm>
           <a:prstGeom prst="rect">
             <a:avLst/>
@@ -38057,7 +38014,7 @@
         </p:spPr>
         <p:txBody>
           <a:bodyPr vert="horz" lIns="91440" tIns="45720" rIns="91440" bIns="45720" rtlCol="0">
-            <a:normAutofit/>
+            <a:noAutofit/>
           </a:bodyPr>
           <a:lstStyle>
             <a:lvl1pPr marL="228600" indent="-228600" algn="l" defTabSz="914400" rtl="0" eaLnBrk="1" latinLnBrk="0" hangingPunct="1">
@@ -38241,7 +38198,21 @@
           <a:p>
             <a:r>
               <a:rPr lang="en-US" sz="2000" dirty="0"/>
-              <a:t>A type of premium User with some additional functionalities.</a:t>
+              <a:t>A type of premium User with some additional functionalities </a:t>
+            </a:r>
+          </a:p>
+          <a:p>
+            <a:pPr lvl="1"/>
+            <a:r>
+              <a:rPr lang="en-US" sz="2000" dirty="0"/>
+              <a:t>followers </a:t>
+            </a:r>
+          </a:p>
+          <a:p>
+            <a:pPr lvl="1"/>
+            <a:r>
+              <a:rPr lang="en-US" sz="2000" dirty="0"/>
+              <a:t>comment notification.</a:t>
             </a:r>
           </a:p>
         </p:txBody>
@@ -38262,7 +38233,7 @@
         </p:nvSpPr>
         <p:spPr>
           <a:xfrm>
-            <a:off x="6096000" y="4664165"/>
+            <a:off x="5269994" y="4463618"/>
             <a:ext cx="5065776" cy="448056"/>
           </a:xfrm>
           <a:prstGeom prst="rect">
@@ -38476,8 +38447,8 @@
         </p:nvSpPr>
         <p:spPr>
           <a:xfrm>
-            <a:off x="6289612" y="5223580"/>
-            <a:ext cx="5065776" cy="754888"/>
+            <a:off x="5639372" y="5072075"/>
+            <a:ext cx="6552628" cy="1123874"/>
           </a:xfrm>
           <a:prstGeom prst="rect">
             <a:avLst/>
@@ -38669,8 +38640,26 @@
           <a:p>
             <a:r>
               <a:rPr lang="en-US" sz="2000" dirty="0"/>
-              <a:t>A type of normal User with limited functionalities.</a:t>
+              <a:t>A type of normal User with limited functionalities </a:t>
             </a:r>
+          </a:p>
+          <a:p>
+            <a:pPr lvl="1"/>
+            <a:r>
+              <a:rPr lang="en-US" sz="1800" dirty="0"/>
+              <a:t>Doesn’t have followers</a:t>
+            </a:r>
+          </a:p>
+          <a:p>
+            <a:pPr lvl="1"/>
+            <a:r>
+              <a:rPr lang="en-US" sz="1800" dirty="0"/>
+              <a:t>Don’t receive notification for comments</a:t>
+            </a:r>
+          </a:p>
+          <a:p>
+            <a:pPr lvl="1"/>
+            <a:endParaRPr lang="en-US" sz="1800" dirty="0"/>
           </a:p>
         </p:txBody>
       </p:sp>
@@ -39169,7 +39158,7 @@
             </a:pPr>
             <a:r>
               <a:rPr lang="en-US" b="1" dirty="0"/>
-              <a:t>Microsoft SQL Serve</a:t>
+              <a:t>Microsoft SQL Server</a:t>
             </a:r>
           </a:p>
           <a:p>
@@ -39190,6 +39179,16 @@
             <a:r>
               <a:rPr lang="en-US" b="1" dirty="0"/>
               <a:t>Visual Studio</a:t>
+            </a:r>
+          </a:p>
+          <a:p>
+            <a:pPr marL="342900" indent="-342900" algn="l">
+              <a:buFont typeface="Arial" panose="020B0604020202020204" pitchFamily="34" charset="0"/>
+              <a:buChar char="•"/>
+            </a:pPr>
+            <a:r>
+              <a:rPr lang="en-US" b="1" dirty="0"/>
+              <a:t>Visual Studio Code</a:t>
             </a:r>
           </a:p>
         </p:txBody>
@@ -39244,7 +39243,7 @@
         </p:blipFill>
         <p:spPr>
           <a:xfrm>
-            <a:off x="5780889" y="5571688"/>
+            <a:off x="5314354" y="5650102"/>
             <a:ext cx="1172527" cy="1172527"/>
           </a:xfrm>
           <a:prstGeom prst="rect">
@@ -39274,7 +39273,7 @@
         </p:blipFill>
         <p:spPr>
           <a:xfrm>
-            <a:off x="9922613" y="5571688"/>
+            <a:off x="7321653" y="5622169"/>
             <a:ext cx="1172527" cy="1172527"/>
           </a:xfrm>
           <a:prstGeom prst="rect">
@@ -39304,12 +39303,59 @@
         </p:blipFill>
         <p:spPr>
           <a:xfrm>
-            <a:off x="712487" y="5526836"/>
+            <a:off x="1850407" y="5577317"/>
             <a:ext cx="2882865" cy="1217379"/>
           </a:xfrm>
           <a:prstGeom prst="rect">
             <a:avLst/>
           </a:prstGeom>
+        </p:spPr>
+      </p:pic>
+      <p:pic>
+        <p:nvPicPr>
+          <p:cNvPr id="1028" name="Picture 4">
+            <a:extLst>
+              <a:ext uri="{FF2B5EF4-FFF2-40B4-BE49-F238E27FC236}">
+                <a16:creationId xmlns:a16="http://schemas.microsoft.com/office/drawing/2014/main" id="{7CB8ECB8-2BC5-0A46-7077-85948C1B83CE}"/>
+              </a:ext>
+            </a:extLst>
+          </p:cNvPr>
+          <p:cNvPicPr>
+            <a:picLocks noChangeAspect="1" noChangeArrowheads="1"/>
+          </p:cNvPicPr>
+          <p:nvPr/>
+        </p:nvPicPr>
+        <p:blipFill>
+          <a:blip r:embed="rId5">
+            <a:extLst>
+              <a:ext uri="{28A0092B-C50C-407E-A947-70E740481C1C}">
+                <a14:useLocalDpi xmlns:a14="http://schemas.microsoft.com/office/drawing/2010/main" val="0"/>
+              </a:ext>
+            </a:extLst>
+          </a:blip>
+          <a:srcRect/>
+          <a:stretch>
+            <a:fillRect/>
+          </a:stretch>
+        </p:blipFill>
+        <p:spPr bwMode="auto">
+          <a:xfrm>
+            <a:off x="9075262" y="5650102"/>
+            <a:ext cx="1172527" cy="1071563"/>
+          </a:xfrm>
+          <a:prstGeom prst="rect">
+            <a:avLst/>
+          </a:prstGeom>
+          <a:noFill/>
+          <a:extLst>
+            <a:ext uri="{909E8E84-426E-40DD-AFC4-6F175D3DCCD1}">
+              <a14:hiddenFill xmlns:a14="http://schemas.microsoft.com/office/drawing/2010/main">
+                <a:solidFill>
+                  <a:srgbClr val="FFFFFF"/>
+                </a:solidFill>
+              </a14:hiddenFill>
+            </a:ext>
+          </a:extLst>
         </p:spPr>
       </p:pic>
     </p:spTree>
@@ -40136,6 +40182,16 @@
               <a:buNone/>
             </a:pPr>
             <a:r>
+              <a:rPr lang="en-US" sz="2400">
+                <a:solidFill>
+                  <a:schemeClr val="accent3"/>
+                </a:solidFill>
+                <a:latin typeface="Gill Sans Nova Light" panose="020B0302020104020203" pitchFamily="34" charset="0"/>
+                <a:cs typeface="Gill Sans Light" panose="020B0302020104020203" pitchFamily="34" charset="-79"/>
+              </a:rPr>
+              <a:t>Frontend </a:t>
+            </a:r>
+            <a:r>
               <a:rPr lang="en-US" sz="2400" dirty="0">
                 <a:solidFill>
                   <a:schemeClr val="accent3"/>
@@ -40143,7 +40199,7 @@
                 <a:latin typeface="Gill Sans Nova Light" panose="020B0302020104020203" pitchFamily="34" charset="0"/>
                 <a:cs typeface="Gill Sans Light" panose="020B0302020104020203" pitchFamily="34" charset="-79"/>
               </a:rPr>
-              <a:t>Front Flow(Angular)</a:t>
+              <a:t>Flow(Angular)</a:t>
             </a:r>
           </a:p>
           <a:p>
@@ -40335,7 +40391,7 @@
           <a:p>
             <a:r>
               <a:rPr lang="en-US" dirty="0"/>
-              <a:t>TweetIT, a platform that allows you to share your thoughts and ideas with the world.</a:t>
+              <a:t>TweetIT, an application that allows you to share your thoughts and ideas with the world.</a:t>
             </a:r>
           </a:p>
           <a:p>
@@ -41578,7 +41634,7 @@
           <p:nvPr>
             <p:extLst>
               <p:ext uri="{D42A27DB-BD31-4B8C-83A1-F6EECF244321}">
-                <p14:modId xmlns:p14="http://schemas.microsoft.com/office/powerpoint/2010/main" val="3517925590"/>
+                <p14:modId xmlns:p14="http://schemas.microsoft.com/office/powerpoint/2010/main" val="4072285069"/>
               </p:ext>
             </p:extLst>
           </p:nvPr>
@@ -42662,15 +42718,6 @@
 </file>
 
 <file path=customXml/item1.xml><?xml version="1.0" encoding="utf-8"?>
-<?mso-contentType ?>
-<FormTemplates xmlns="http://schemas.microsoft.com/sharepoint/v3/contenttype/forms">
-  <Display>DocumentLibraryForm</Display>
-  <Edit>DocumentLibraryForm</Edit>
-  <New>DocumentLibraryForm</New>
-</FormTemplates>
-</file>
-
-<file path=customXml/item2.xml><?xml version="1.0" encoding="utf-8"?>
 <ct:contentTypeSchema xmlns:ct="http://schemas.microsoft.com/office/2006/metadata/contentType" xmlns:ma="http://schemas.microsoft.com/office/2006/metadata/properties/metaAttributes" ct:_="" ma:_="" ma:contentTypeName="Document" ma:contentTypeID="0x01010079F111ED35F8CC479449609E8A0923A6" ma:contentTypeVersion="24" ma:contentTypeDescription="Create a new document." ma:contentTypeScope="" ma:versionID="2d714a3296df14eba7a100bb665443ca">
   <xsd:schema xmlns:xsd="http://www.w3.org/2001/XMLSchema" xmlns:xs="http://www.w3.org/2001/XMLSchema" xmlns:p="http://schemas.microsoft.com/office/2006/metadata/properties" xmlns:ns1="http://schemas.microsoft.com/sharepoint/v3" xmlns:ns2="71af3243-3dd4-4a8d-8c0d-dd76da1f02a5" xmlns:ns3="16c05727-aa75-4e4a-9b5f-8a80a1165891" xmlns:ns4="230e9df3-be65-4c73-a93b-d1236ebd677e" targetNamespace="http://schemas.microsoft.com/office/2006/metadata/properties" ma:root="true" ma:fieldsID="49549bf45bfbbfb6cffed527380e77e1" ns1:_="" ns2:_="" ns3:_="" ns4:_="">
     <xsd:import namespace="http://schemas.microsoft.com/sharepoint/v3"/>
@@ -42958,7 +43005,7 @@
 </ct:contentTypeSchema>
 </file>
 
-<file path=customXml/item3.xml><?xml version="1.0" encoding="utf-8"?>
+<file path=customXml/item2.xml><?xml version="1.0" encoding="utf-8"?>
 <p:properties xmlns:p="http://schemas.microsoft.com/office/2006/metadata/properties" xmlns:xsi="http://www.w3.org/2001/XMLSchema-instance" xmlns:pc="http://schemas.microsoft.com/office/infopath/2007/PartnerControls">
   <documentManagement>
     <_ip_UnifiedCompliancePolicyUIAction xmlns="http://schemas.microsoft.com/sharepoint/v3" xsi:nil="true"/>
@@ -42978,15 +43025,16 @@
 </p:properties>
 </file>
 
-<file path=customXml/itemProps1.xml><?xml version="1.0" encoding="utf-8"?>
-<ds:datastoreItem xmlns:ds="http://schemas.openxmlformats.org/officeDocument/2006/customXml" ds:itemID="{9ACE2AAA-C718-435C-B4E6-95A08ACAC441}">
-  <ds:schemaRefs>
-    <ds:schemaRef ds:uri="http://schemas.microsoft.com/sharepoint/v3/contenttype/forms"/>
-  </ds:schemaRefs>
-</ds:datastoreItem>
+<file path=customXml/item3.xml><?xml version="1.0" encoding="utf-8"?>
+<?mso-contentType ?>
+<FormTemplates xmlns="http://schemas.microsoft.com/sharepoint/v3/contenttype/forms">
+  <Display>DocumentLibraryForm</Display>
+  <Edit>DocumentLibraryForm</Edit>
+  <New>DocumentLibraryForm</New>
+</FormTemplates>
 </file>
 
-<file path=customXml/itemProps2.xml><?xml version="1.0" encoding="utf-8"?>
+<file path=customXml/itemProps1.xml><?xml version="1.0" encoding="utf-8"?>
 <ds:datastoreItem xmlns:ds="http://schemas.openxmlformats.org/officeDocument/2006/customXml" ds:itemID="{614EFF02-EA18-493C-972D-813DB244CB64}">
   <ds:schemaRefs>
     <ds:schemaRef ds:uri="http://schemas.microsoft.com/office/2006/metadata/contentType"/>
@@ -43007,7 +43055,7 @@
 </ds:datastoreItem>
 </file>
 
-<file path=customXml/itemProps3.xml><?xml version="1.0" encoding="utf-8"?>
+<file path=customXml/itemProps2.xml><?xml version="1.0" encoding="utf-8"?>
 <ds:datastoreItem xmlns:ds="http://schemas.openxmlformats.org/officeDocument/2006/customXml" ds:itemID="{8FBB2F3B-6257-41BB-8B64-5AC7494F274B}">
   <ds:schemaRefs>
     <ds:schemaRef ds:uri="http://schemas.microsoft.com/office/2006/metadata/properties"/>
@@ -43019,6 +43067,14 @@
 </ds:datastoreItem>
 </file>
 
+<file path=customXml/itemProps3.xml><?xml version="1.0" encoding="utf-8"?>
+<ds:datastoreItem xmlns:ds="http://schemas.openxmlformats.org/officeDocument/2006/customXml" ds:itemID="{9ACE2AAA-C718-435C-B4E6-95A08ACAC441}">
+  <ds:schemaRefs>
+    <ds:schemaRef ds:uri="http://schemas.microsoft.com/sharepoint/v3/contenttype/forms"/>
+  </ds:schemaRefs>
+</ds:datastoreItem>
+</file>
+
 <file path=docMetadata/LabelInfo.xml><?xml version="1.0" encoding="utf-8"?>
 <clbl:labelList xmlns:clbl="http://schemas.microsoft.com/office/2020/mipLabelMetadata"/>
 </file>